--- a/Documentação/Status Report/2022-1/Status Report 5.pptx
+++ b/Documentação/Status Report/2022-1/Status Report 5.pptx
@@ -21866,7 +21866,7 @@
             <a:avLst/>
           </a:prstGeom>
           <a:solidFill>
-            <a:srgbClr val="FFFF00"/>
+            <a:srgbClr val="00B050"/>
           </a:solidFill>
           <a:ln w="12700">
             <a:solidFill>
@@ -21899,6 +21899,9 @@
               <a:solidFill>
                 <a:prstClr val="black"/>
               </a:solidFill>
+              <a:highlight>
+                <a:srgbClr val="008000"/>
+              </a:highlight>
               <a:latin typeface="Simplon BP Regular"/>
               <a:cs typeface="Simplon BP Regular"/>
             </a:endParaRPr>
@@ -25392,15 +25395,6 @@
 </file>
 
 <file path=customXml/item2.xml><?xml version="1.0" encoding="utf-8"?>
-<?mso-contentType ?>
-<FormTemplates xmlns="http://schemas.microsoft.com/sharepoint/v3/contenttype/forms">
-  <Display>DocumentLibraryForm</Display>
-  <Edit>DocumentLibraryForm</Edit>
-  <New>DocumentLibraryForm</New>
-</FormTemplates>
-</file>
-
-<file path=customXml/item3.xml><?xml version="1.0" encoding="utf-8"?>
 <p:properties xmlns:p="http://schemas.microsoft.com/office/2006/metadata/properties" xmlns:xsi="http://www.w3.org/2001/XMLSchema-instance" xmlns:pc="http://schemas.microsoft.com/office/infopath/2007/PartnerControls">
   <documentManagement>
     <Is_Collaboration_Space_Locked xmlns="bbcd8c33-6940-4d4c-a587-bbc736ca1e4d" xsi:nil="true"/>
@@ -25452,6 +25446,15 @@
 </p:properties>
 </file>
 
+<file path=customXml/item3.xml><?xml version="1.0" encoding="utf-8"?>
+<?mso-contentType ?>
+<FormTemplates xmlns="http://schemas.microsoft.com/sharepoint/v3/contenttype/forms">
+  <Display>DocumentLibraryForm</Display>
+  <Edit>DocumentLibraryForm</Edit>
+  <New>DocumentLibraryForm</New>
+</FormTemplates>
+</file>
+
 <file path=customXml/itemProps1.xml><?xml version="1.0" encoding="utf-8"?>
 <ds:datastoreItem xmlns:ds="http://schemas.openxmlformats.org/officeDocument/2006/customXml" ds:itemID="{3BE6CAF6-1F55-4A70-B10C-21633F74987A}">
   <ds:schemaRefs>
@@ -25472,14 +25475,6 @@
 </file>
 
 <file path=customXml/itemProps2.xml><?xml version="1.0" encoding="utf-8"?>
-<ds:datastoreItem xmlns:ds="http://schemas.openxmlformats.org/officeDocument/2006/customXml" ds:itemID="{E2481852-F24E-4532-AF30-C154D705D105}">
-  <ds:schemaRefs>
-    <ds:schemaRef ds:uri="http://schemas.microsoft.com/sharepoint/v3/contenttype/forms"/>
-  </ds:schemaRefs>
-</ds:datastoreItem>
-</file>
-
-<file path=customXml/itemProps3.xml><?xml version="1.0" encoding="utf-8"?>
 <ds:datastoreItem xmlns:ds="http://schemas.openxmlformats.org/officeDocument/2006/customXml" ds:itemID="{4B31267F-D399-4A8A-87F8-B75F56828412}">
   <ds:schemaRefs>
     <ds:schemaRef ds:uri="http://www.w3.org/XML/1998/namespace"/>
@@ -25494,4 +25489,12 @@
     <ds:schemaRef ds:uri="http://purl.org/dc/terms/"/>
   </ds:schemaRefs>
 </ds:datastoreItem>
+</file>
+
+<file path=customXml/itemProps3.xml><?xml version="1.0" encoding="utf-8"?>
+<ds:datastoreItem xmlns:ds="http://schemas.openxmlformats.org/officeDocument/2006/customXml" ds:itemID="{E2481852-F24E-4532-AF30-C154D705D105}">
+  <ds:schemaRefs>
+    <ds:schemaRef ds:uri="http://schemas.microsoft.com/sharepoint/v3/contenttype/forms"/>
+  </ds:schemaRefs>
+</ds:datastoreItem>
 </file>